--- a/Diagrama_E-R.pptx
+++ b/Diagrama_E-R.pptx
@@ -259,7 +259,7 @@
           <a:p>
             <a:fld id="{EA58A551-3FE4-4CC7-A437-766107CF0190}" type="datetimeFigureOut">
               <a:rPr lang="es-ES" smtClean="0"/>
-              <a:t>05/03/2021</a:t>
+              <a:t>15/03/2021</a:t>
             </a:fld>
             <a:endParaRPr lang="es-ES"/>
           </a:p>
@@ -457,7 +457,7 @@
           <a:p>
             <a:fld id="{EA58A551-3FE4-4CC7-A437-766107CF0190}" type="datetimeFigureOut">
               <a:rPr lang="es-ES" smtClean="0"/>
-              <a:t>05/03/2021</a:t>
+              <a:t>15/03/2021</a:t>
             </a:fld>
             <a:endParaRPr lang="es-ES"/>
           </a:p>
@@ -665,7 +665,7 @@
           <a:p>
             <a:fld id="{EA58A551-3FE4-4CC7-A437-766107CF0190}" type="datetimeFigureOut">
               <a:rPr lang="es-ES" smtClean="0"/>
-              <a:t>05/03/2021</a:t>
+              <a:t>15/03/2021</a:t>
             </a:fld>
             <a:endParaRPr lang="es-ES"/>
           </a:p>
@@ -863,7 +863,7 @@
           <a:p>
             <a:fld id="{EA58A551-3FE4-4CC7-A437-766107CF0190}" type="datetimeFigureOut">
               <a:rPr lang="es-ES" smtClean="0"/>
-              <a:t>05/03/2021</a:t>
+              <a:t>15/03/2021</a:t>
             </a:fld>
             <a:endParaRPr lang="es-ES"/>
           </a:p>
@@ -1138,7 +1138,7 @@
           <a:p>
             <a:fld id="{EA58A551-3FE4-4CC7-A437-766107CF0190}" type="datetimeFigureOut">
               <a:rPr lang="es-ES" smtClean="0"/>
-              <a:t>05/03/2021</a:t>
+              <a:t>15/03/2021</a:t>
             </a:fld>
             <a:endParaRPr lang="es-ES"/>
           </a:p>
@@ -1403,7 +1403,7 @@
           <a:p>
             <a:fld id="{EA58A551-3FE4-4CC7-A437-766107CF0190}" type="datetimeFigureOut">
               <a:rPr lang="es-ES" smtClean="0"/>
-              <a:t>05/03/2021</a:t>
+              <a:t>15/03/2021</a:t>
             </a:fld>
             <a:endParaRPr lang="es-ES"/>
           </a:p>
@@ -1815,7 +1815,7 @@
           <a:p>
             <a:fld id="{EA58A551-3FE4-4CC7-A437-766107CF0190}" type="datetimeFigureOut">
               <a:rPr lang="es-ES" smtClean="0"/>
-              <a:t>05/03/2021</a:t>
+              <a:t>15/03/2021</a:t>
             </a:fld>
             <a:endParaRPr lang="es-ES"/>
           </a:p>
@@ -1956,7 +1956,7 @@
           <a:p>
             <a:fld id="{EA58A551-3FE4-4CC7-A437-766107CF0190}" type="datetimeFigureOut">
               <a:rPr lang="es-ES" smtClean="0"/>
-              <a:t>05/03/2021</a:t>
+              <a:t>15/03/2021</a:t>
             </a:fld>
             <a:endParaRPr lang="es-ES"/>
           </a:p>
@@ -2069,7 +2069,7 @@
           <a:p>
             <a:fld id="{EA58A551-3FE4-4CC7-A437-766107CF0190}" type="datetimeFigureOut">
               <a:rPr lang="es-ES" smtClean="0"/>
-              <a:t>05/03/2021</a:t>
+              <a:t>15/03/2021</a:t>
             </a:fld>
             <a:endParaRPr lang="es-ES"/>
           </a:p>
@@ -2380,7 +2380,7 @@
           <a:p>
             <a:fld id="{EA58A551-3FE4-4CC7-A437-766107CF0190}" type="datetimeFigureOut">
               <a:rPr lang="es-ES" smtClean="0"/>
-              <a:t>05/03/2021</a:t>
+              <a:t>15/03/2021</a:t>
             </a:fld>
             <a:endParaRPr lang="es-ES"/>
           </a:p>
@@ -2668,7 +2668,7 @@
           <a:p>
             <a:fld id="{EA58A551-3FE4-4CC7-A437-766107CF0190}" type="datetimeFigureOut">
               <a:rPr lang="es-ES" smtClean="0"/>
-              <a:t>05/03/2021</a:t>
+              <a:t>15/03/2021</a:t>
             </a:fld>
             <a:endParaRPr lang="es-ES"/>
           </a:p>
@@ -2909,7 +2909,7 @@
           <a:p>
             <a:fld id="{EA58A551-3FE4-4CC7-A437-766107CF0190}" type="datetimeFigureOut">
               <a:rPr lang="es-ES" smtClean="0"/>
-              <a:t>05/03/2021</a:t>
+              <a:t>15/03/2021</a:t>
             </a:fld>
             <a:endParaRPr lang="es-ES"/>
           </a:p>
@@ -3340,7 +3340,7 @@
         </p:nvSpPr>
         <p:spPr>
           <a:xfrm>
-            <a:off x="4788561" y="3089928"/>
+            <a:off x="4744493" y="3066779"/>
             <a:ext cx="1620253" cy="818148"/>
           </a:xfrm>
           <a:prstGeom prst="rect">
@@ -3530,53 +3530,6 @@
           <a:xfrm>
             <a:off x="545432" y="833372"/>
             <a:ext cx="1620253" cy="818148"/>
-          </a:xfrm>
-          <a:prstGeom prst="rect">
-            <a:avLst/>
-          </a:prstGeom>
-        </p:spPr>
-        <p:style>
-          <a:lnRef idx="1">
-            <a:schemeClr val="accent2"/>
-          </a:lnRef>
-          <a:fillRef idx="2">
-            <a:schemeClr val="accent2"/>
-          </a:fillRef>
-          <a:effectRef idx="1">
-            <a:schemeClr val="accent2"/>
-          </a:effectRef>
-          <a:fontRef idx="minor">
-            <a:schemeClr val="dk1"/>
-          </a:fontRef>
-        </p:style>
-        <p:txBody>
-          <a:bodyPr rtlCol="0" anchor="ctr"/>
-          <a:lstStyle/>
-          <a:p>
-            <a:pPr algn="ctr"/>
-            <a:r>
-              <a:rPr lang="es-ES" sz="2400" dirty="0"/>
-              <a:t>ZONAS</a:t>
-            </a:r>
-          </a:p>
-        </p:txBody>
-      </p:sp>
-      <p:sp>
-        <p:nvSpPr>
-          <p:cNvPr id="9" name="Rectángulo 8">
-            <a:extLst>
-              <a:ext uri="{FF2B5EF4-FFF2-40B4-BE49-F238E27FC236}">
-                <a16:creationId xmlns:a16="http://schemas.microsoft.com/office/drawing/2014/main" id="{8D7CE86E-E1D2-41F8-BF8D-8851BEB7013C}"/>
-              </a:ext>
-            </a:extLst>
-          </p:cNvPr>
-          <p:cNvSpPr/>
-          <p:nvPr/>
-        </p:nvSpPr>
-        <p:spPr>
-          <a:xfrm>
-            <a:off x="8590547" y="5205663"/>
-            <a:ext cx="1860884" cy="818148"/>
           </a:xfrm>
           <a:prstGeom prst="rect">
             <a:avLst/>
@@ -3682,7 +3635,7 @@
           <a:p>
             <a:r>
               <a:rPr lang="es-ES" sz="2400" dirty="0"/>
-              <a:t>m</a:t>
+              <a:t>N</a:t>
             </a:r>
           </a:p>
         </p:txBody>
@@ -3803,10 +3756,10 @@
       </p:sp>
       <p:sp>
         <p:nvSpPr>
-          <p:cNvPr id="25" name="CuadroTexto 24">
-            <a:extLst>
-              <a:ext uri="{FF2B5EF4-FFF2-40B4-BE49-F238E27FC236}">
-                <a16:creationId xmlns:a16="http://schemas.microsoft.com/office/drawing/2014/main" id="{1F3A4D88-05B7-4D76-A56D-FEDA76819964}"/>
+          <p:cNvPr id="27" name="CuadroTexto 26">
+            <a:extLst>
+              <a:ext uri="{FF2B5EF4-FFF2-40B4-BE49-F238E27FC236}">
+                <a16:creationId xmlns:a16="http://schemas.microsoft.com/office/drawing/2014/main" id="{9E6410D8-67D8-44D8-AD66-2778DCB55663}"/>
               </a:ext>
             </a:extLst>
           </p:cNvPr>
@@ -3814,8 +3767,8 @@
           <p:nvPr/>
         </p:nvSpPr>
         <p:spPr>
-          <a:xfrm flipH="1" flipV="1">
-            <a:off x="2050340" y="6006403"/>
+          <a:xfrm rot="10800000" flipH="1" flipV="1">
+            <a:off x="4379492" y="3487884"/>
             <a:ext cx="481265" cy="461665"/>
           </a:xfrm>
           <a:prstGeom prst="rect">
@@ -3838,10 +3791,10 @@
       </p:sp>
       <p:sp>
         <p:nvSpPr>
-          <p:cNvPr id="26" name="CuadroTexto 25">
-            <a:extLst>
-              <a:ext uri="{FF2B5EF4-FFF2-40B4-BE49-F238E27FC236}">
-                <a16:creationId xmlns:a16="http://schemas.microsoft.com/office/drawing/2014/main" id="{F816807C-7B48-4F69-874A-FE026FC5BD0D}"/>
+          <p:cNvPr id="28" name="CuadroTexto 27">
+            <a:extLst>
+              <a:ext uri="{FF2B5EF4-FFF2-40B4-BE49-F238E27FC236}">
+                <a16:creationId xmlns:a16="http://schemas.microsoft.com/office/drawing/2014/main" id="{D1762FF5-6989-4375-9A07-040ADA47C6F2}"/>
               </a:ext>
             </a:extLst>
           </p:cNvPr>
@@ -3849,8 +3802,8 @@
           <p:nvPr/>
         </p:nvSpPr>
         <p:spPr>
-          <a:xfrm rot="10638241" flipH="1" flipV="1">
-            <a:off x="8174041" y="5568780"/>
+          <a:xfrm rot="10800000" flipH="1" flipV="1">
+            <a:off x="6083967" y="2695940"/>
             <a:ext cx="481265" cy="461665"/>
           </a:xfrm>
           <a:prstGeom prst="rect">
@@ -3866,77 +3819,7 @@
           <a:p>
             <a:r>
               <a:rPr lang="es-ES" sz="2400" dirty="0"/>
-              <a:t>1</a:t>
-            </a:r>
-          </a:p>
-        </p:txBody>
-      </p:sp>
-      <p:sp>
-        <p:nvSpPr>
-          <p:cNvPr id="27" name="CuadroTexto 26">
-            <a:extLst>
-              <a:ext uri="{FF2B5EF4-FFF2-40B4-BE49-F238E27FC236}">
-                <a16:creationId xmlns:a16="http://schemas.microsoft.com/office/drawing/2014/main" id="{9E6410D8-67D8-44D8-AD66-2778DCB55663}"/>
-              </a:ext>
-            </a:extLst>
-          </p:cNvPr>
-          <p:cNvSpPr txBox="1"/>
-          <p:nvPr/>
-        </p:nvSpPr>
-        <p:spPr>
-          <a:xfrm rot="10800000" flipH="1" flipV="1">
-            <a:off x="4379492" y="3487884"/>
-            <a:ext cx="481265" cy="461665"/>
-          </a:xfrm>
-          <a:prstGeom prst="rect">
-            <a:avLst/>
-          </a:prstGeom>
-          <a:noFill/>
-        </p:spPr>
-        <p:txBody>
-          <a:bodyPr wrap="square" rtlCol="0">
-            <a:spAutoFit/>
-          </a:bodyPr>
-          <a:lstStyle/>
-          <a:p>
-            <a:r>
-              <a:rPr lang="es-ES" sz="2400" dirty="0"/>
-              <a:t>M</a:t>
-            </a:r>
-          </a:p>
-        </p:txBody>
-      </p:sp>
-      <p:sp>
-        <p:nvSpPr>
-          <p:cNvPr id="28" name="CuadroTexto 27">
-            <a:extLst>
-              <a:ext uri="{FF2B5EF4-FFF2-40B4-BE49-F238E27FC236}">
-                <a16:creationId xmlns:a16="http://schemas.microsoft.com/office/drawing/2014/main" id="{D1762FF5-6989-4375-9A07-040ADA47C6F2}"/>
-              </a:ext>
-            </a:extLst>
-          </p:cNvPr>
-          <p:cNvSpPr txBox="1"/>
-          <p:nvPr/>
-        </p:nvSpPr>
-        <p:spPr>
-          <a:xfrm rot="10800000" flipH="1" flipV="1">
-            <a:off x="6083967" y="2695940"/>
-            <a:ext cx="481265" cy="461665"/>
-          </a:xfrm>
-          <a:prstGeom prst="rect">
-            <a:avLst/>
-          </a:prstGeom>
-          <a:noFill/>
-        </p:spPr>
-        <p:txBody>
-          <a:bodyPr wrap="square" rtlCol="0">
-            <a:spAutoFit/>
-          </a:bodyPr>
-          <a:lstStyle/>
-          <a:p>
-            <a:r>
-              <a:rPr lang="es-ES" sz="2400" dirty="0"/>
-              <a:t>n</a:t>
+              <a:t>N</a:t>
             </a:r>
           </a:p>
         </p:txBody>
@@ -3960,48 +3843,6 @@
           <a:xfrm flipV="1">
             <a:off x="2229853" y="3884927"/>
             <a:ext cx="2566735" cy="1729810"/>
-          </a:xfrm>
-          <a:prstGeom prst="straightConnector1">
-            <a:avLst/>
-          </a:prstGeom>
-          <a:ln w="57150">
-            <a:headEnd type="triangle"/>
-            <a:tailEnd type="triangle"/>
-          </a:ln>
-        </p:spPr>
-        <p:style>
-          <a:lnRef idx="1">
-            <a:schemeClr val="accent1"/>
-          </a:lnRef>
-          <a:fillRef idx="0">
-            <a:schemeClr val="accent1"/>
-          </a:fillRef>
-          <a:effectRef idx="0">
-            <a:schemeClr val="accent1"/>
-          </a:effectRef>
-          <a:fontRef idx="minor">
-            <a:schemeClr val="tx1"/>
-          </a:fontRef>
-        </p:style>
-      </p:cxnSp>
-      <p:cxnSp>
-        <p:nvCxnSpPr>
-          <p:cNvPr id="38" name="Conector recto de flecha 37">
-            <a:extLst>
-              <a:ext uri="{FF2B5EF4-FFF2-40B4-BE49-F238E27FC236}">
-                <a16:creationId xmlns:a16="http://schemas.microsoft.com/office/drawing/2014/main" id="{6A363CC7-DC05-4DB3-A026-C298568CD0CB}"/>
-              </a:ext>
-            </a:extLst>
-          </p:cNvPr>
-          <p:cNvCxnSpPr>
-            <a:cxnSpLocks/>
-          </p:cNvCxnSpPr>
-          <p:nvPr/>
-        </p:nvCxnSpPr>
-        <p:spPr>
-          <a:xfrm flipV="1">
-            <a:off x="2229853" y="5988628"/>
-            <a:ext cx="6360694" cy="1"/>
           </a:xfrm>
           <a:prstGeom prst="straightConnector1">
             <a:avLst/>
@@ -4123,8 +3964,8 @@
           <p:nvPr/>
         </p:nvSpPr>
         <p:spPr>
-          <a:xfrm flipH="1" flipV="1">
-            <a:off x="2245150" y="5401679"/>
+          <a:xfrm rot="10572022" flipH="1" flipV="1">
+            <a:off x="2391222" y="5546708"/>
             <a:ext cx="481265" cy="461665"/>
           </a:xfrm>
           <a:prstGeom prst="rect">
@@ -4140,7 +3981,7 @@
           <a:p>
             <a:r>
               <a:rPr lang="es-ES" sz="2400" dirty="0"/>
-              <a:t>N</a:t>
+              <a:t>1</a:t>
             </a:r>
           </a:p>
         </p:txBody>
@@ -4175,7 +4016,7 @@
           <a:p>
             <a:r>
               <a:rPr lang="es-ES" sz="2400" dirty="0"/>
-              <a:t>1</a:t>
+              <a:t>M</a:t>
             </a:r>
           </a:p>
         </p:txBody>
@@ -4210,7 +4051,7 @@
           <a:p>
             <a:r>
               <a:rPr lang="es-ES" sz="2400" dirty="0"/>
-              <a:t>1</a:t>
+              <a:t>N</a:t>
             </a:r>
           </a:p>
         </p:txBody>
@@ -4230,50 +4071,6 @@
         <p:spPr>
           <a:xfrm>
             <a:off x="7188872" y="1911243"/>
-            <a:ext cx="826168" cy="818148"/>
-          </a:xfrm>
-          <a:prstGeom prst="flowChartDecision">
-            <a:avLst/>
-          </a:prstGeom>
-        </p:spPr>
-        <p:style>
-          <a:lnRef idx="1">
-            <a:schemeClr val="accent2"/>
-          </a:lnRef>
-          <a:fillRef idx="2">
-            <a:schemeClr val="accent2"/>
-          </a:fillRef>
-          <a:effectRef idx="1">
-            <a:schemeClr val="accent2"/>
-          </a:effectRef>
-          <a:fontRef idx="minor">
-            <a:schemeClr val="dk1"/>
-          </a:fontRef>
-        </p:style>
-        <p:txBody>
-          <a:bodyPr rtlCol="0" anchor="ctr"/>
-          <a:lstStyle/>
-          <a:p>
-            <a:pPr algn="ctr"/>
-            <a:endParaRPr lang="es-ES" sz="2400" dirty="0"/>
-          </a:p>
-        </p:txBody>
-      </p:sp>
-      <p:sp>
-        <p:nvSpPr>
-          <p:cNvPr id="21" name="Diagrama de flujo: decisión 20">
-            <a:extLst>
-              <a:ext uri="{FF2B5EF4-FFF2-40B4-BE49-F238E27FC236}">
-                <a16:creationId xmlns:a16="http://schemas.microsoft.com/office/drawing/2014/main" id="{8B41BA3F-977D-438C-97D8-145EC58EBC60}"/>
-              </a:ext>
-            </a:extLst>
-          </p:cNvPr>
-          <p:cNvSpPr/>
-          <p:nvPr/>
-        </p:nvSpPr>
-        <p:spPr>
-          <a:xfrm>
-            <a:off x="5288597" y="5579554"/>
             <a:ext cx="826168" cy="818148"/>
           </a:xfrm>
           <a:prstGeom prst="flowChartDecision">
